--- a/Presentation.pptx
+++ b/Presentation.pptx
@@ -15,7 +15,8 @@
     <p:sldId id="267" r:id="rId9"/>
     <p:sldId id="264" r:id="rId10"/>
     <p:sldId id="265" r:id="rId11"/>
-    <p:sldId id="266" r:id="rId12"/>
+    <p:sldId id="268" r:id="rId12"/>
+    <p:sldId id="266" r:id="rId13"/>
   </p:sldIdLst>
   <p:sldSz cx="12192000" cy="6858000"/>
   <p:notesSz cx="6858000" cy="9144000"/>
@@ -269,7 +270,7 @@
           <a:p>
             <a:fld id="{5481C410-5F29-4607-A107-8BCDDBCBDDCA}" type="datetimeFigureOut">
               <a:rPr lang="en-US" smtClean="0"/>
-              <a:t>14-May-24</a:t>
+              <a:t>15-May-24</a:t>
             </a:fld>
             <a:endParaRPr lang="en-US"/>
           </a:p>
@@ -467,7 +468,7 @@
           <a:p>
             <a:fld id="{5481C410-5F29-4607-A107-8BCDDBCBDDCA}" type="datetimeFigureOut">
               <a:rPr lang="en-US" smtClean="0"/>
-              <a:t>14-May-24</a:t>
+              <a:t>15-May-24</a:t>
             </a:fld>
             <a:endParaRPr lang="en-US"/>
           </a:p>
@@ -675,7 +676,7 @@
           <a:p>
             <a:fld id="{5481C410-5F29-4607-A107-8BCDDBCBDDCA}" type="datetimeFigureOut">
               <a:rPr lang="en-US" smtClean="0"/>
-              <a:t>14-May-24</a:t>
+              <a:t>15-May-24</a:t>
             </a:fld>
             <a:endParaRPr lang="en-US"/>
           </a:p>
@@ -873,7 +874,7 @@
           <a:p>
             <a:fld id="{5481C410-5F29-4607-A107-8BCDDBCBDDCA}" type="datetimeFigureOut">
               <a:rPr lang="en-US" smtClean="0"/>
-              <a:t>14-May-24</a:t>
+              <a:t>15-May-24</a:t>
             </a:fld>
             <a:endParaRPr lang="en-US"/>
           </a:p>
@@ -1148,7 +1149,7 @@
           <a:p>
             <a:fld id="{5481C410-5F29-4607-A107-8BCDDBCBDDCA}" type="datetimeFigureOut">
               <a:rPr lang="en-US" smtClean="0"/>
-              <a:t>14-May-24</a:t>
+              <a:t>15-May-24</a:t>
             </a:fld>
             <a:endParaRPr lang="en-US"/>
           </a:p>
@@ -1413,7 +1414,7 @@
           <a:p>
             <a:fld id="{5481C410-5F29-4607-A107-8BCDDBCBDDCA}" type="datetimeFigureOut">
               <a:rPr lang="en-US" smtClean="0"/>
-              <a:t>14-May-24</a:t>
+              <a:t>15-May-24</a:t>
             </a:fld>
             <a:endParaRPr lang="en-US"/>
           </a:p>
@@ -1825,7 +1826,7 @@
           <a:p>
             <a:fld id="{5481C410-5F29-4607-A107-8BCDDBCBDDCA}" type="datetimeFigureOut">
               <a:rPr lang="en-US" smtClean="0"/>
-              <a:t>14-May-24</a:t>
+              <a:t>15-May-24</a:t>
             </a:fld>
             <a:endParaRPr lang="en-US"/>
           </a:p>
@@ -1966,7 +1967,7 @@
           <a:p>
             <a:fld id="{5481C410-5F29-4607-A107-8BCDDBCBDDCA}" type="datetimeFigureOut">
               <a:rPr lang="en-US" smtClean="0"/>
-              <a:t>14-May-24</a:t>
+              <a:t>15-May-24</a:t>
             </a:fld>
             <a:endParaRPr lang="en-US"/>
           </a:p>
@@ -2079,7 +2080,7 @@
           <a:p>
             <a:fld id="{5481C410-5F29-4607-A107-8BCDDBCBDDCA}" type="datetimeFigureOut">
               <a:rPr lang="en-US" smtClean="0"/>
-              <a:t>14-May-24</a:t>
+              <a:t>15-May-24</a:t>
             </a:fld>
             <a:endParaRPr lang="en-US"/>
           </a:p>
@@ -2390,7 +2391,7 @@
           <a:p>
             <a:fld id="{5481C410-5F29-4607-A107-8BCDDBCBDDCA}" type="datetimeFigureOut">
               <a:rPr lang="en-US" smtClean="0"/>
-              <a:t>14-May-24</a:t>
+              <a:t>15-May-24</a:t>
             </a:fld>
             <a:endParaRPr lang="en-US"/>
           </a:p>
@@ -2678,7 +2679,7 @@
           <a:p>
             <a:fld id="{5481C410-5F29-4607-A107-8BCDDBCBDDCA}" type="datetimeFigureOut">
               <a:rPr lang="en-US" smtClean="0"/>
-              <a:t>14-May-24</a:t>
+              <a:t>15-May-24</a:t>
             </a:fld>
             <a:endParaRPr lang="en-US"/>
           </a:p>
@@ -2919,7 +2920,7 @@
           <a:p>
             <a:fld id="{5481C410-5F29-4607-A107-8BCDDBCBDDCA}" type="datetimeFigureOut">
               <a:rPr lang="en-US" smtClean="0"/>
-              <a:t>14-May-24</a:t>
+              <a:t>15-May-24</a:t>
             </a:fld>
             <a:endParaRPr lang="en-US"/>
           </a:p>
@@ -4179,6 +4180,331 @@
       </p:sp>
       <p:sp>
         <p:nvSpPr>
+          <p:cNvPr id="14" name="TextBox 13">
+            <a:extLst>
+              <a:ext uri="{FF2B5EF4-FFF2-40B4-BE49-F238E27FC236}">
+                <a16:creationId xmlns:a16="http://schemas.microsoft.com/office/drawing/2014/main" id="{0749E072-8834-4611-A57B-39E944B737E0}"/>
+              </a:ext>
+            </a:extLst>
+          </p:cNvPr>
+          <p:cNvSpPr txBox="1"/>
+          <p:nvPr/>
+        </p:nvSpPr>
+        <p:spPr>
+          <a:xfrm>
+            <a:off x="515218" y="181960"/>
+            <a:ext cx="2844169" cy="646331"/>
+          </a:xfrm>
+          <a:prstGeom prst="rect">
+            <a:avLst/>
+          </a:prstGeom>
+          <a:noFill/>
+        </p:spPr>
+        <p:txBody>
+          <a:bodyPr wrap="square" rtlCol="0">
+            <a:spAutoFit/>
+          </a:bodyPr>
+          <a:lstStyle/>
+          <a:p>
+            <a:r>
+              <a:rPr lang="en-US" sz="3600" b="1" dirty="0">
+                <a:solidFill>
+                  <a:srgbClr val="410433"/>
+                </a:solidFill>
+              </a:rPr>
+              <a:t>4. Structure</a:t>
+            </a:r>
+          </a:p>
+        </p:txBody>
+      </p:sp>
+      <p:sp>
+        <p:nvSpPr>
+          <p:cNvPr id="20" name="TextBox 19">
+            <a:extLst>
+              <a:ext uri="{FF2B5EF4-FFF2-40B4-BE49-F238E27FC236}">
+                <a16:creationId xmlns:a16="http://schemas.microsoft.com/office/drawing/2014/main" id="{F1F48E35-1C97-4642-8262-9616BF19E4D0}"/>
+              </a:ext>
+            </a:extLst>
+          </p:cNvPr>
+          <p:cNvSpPr txBox="1"/>
+          <p:nvPr/>
+        </p:nvSpPr>
+        <p:spPr>
+          <a:xfrm>
+            <a:off x="716729" y="828291"/>
+            <a:ext cx="2814393" cy="461665"/>
+          </a:xfrm>
+          <a:prstGeom prst="rect">
+            <a:avLst/>
+          </a:prstGeom>
+          <a:noFill/>
+        </p:spPr>
+        <p:txBody>
+          <a:bodyPr wrap="square" rtlCol="0">
+            <a:spAutoFit/>
+          </a:bodyPr>
+          <a:lstStyle/>
+          <a:p>
+            <a:r>
+              <a:rPr lang="en-US" sz="2400" b="1" dirty="0">
+                <a:solidFill>
+                  <a:srgbClr val="410433"/>
+                </a:solidFill>
+              </a:rPr>
+              <a:t>Mockup</a:t>
+            </a:r>
+            <a:endParaRPr lang="en-US" sz="2800" b="1" dirty="0">
+              <a:solidFill>
+                <a:srgbClr val="410433"/>
+              </a:solidFill>
+            </a:endParaRPr>
+          </a:p>
+        </p:txBody>
+      </p:sp>
+    </p:spTree>
+    <p:extLst>
+      <p:ext uri="{BB962C8B-B14F-4D97-AF65-F5344CB8AC3E}">
+        <p14:creationId xmlns:p14="http://schemas.microsoft.com/office/powerpoint/2010/main" val="2619455729"/>
+      </p:ext>
+    </p:extLst>
+  </p:cSld>
+  <p:clrMapOvr>
+    <a:masterClrMapping/>
+  </p:clrMapOvr>
+</p:sld>
+</file>
+
+<file path=ppt/slides/slide12.xml><?xml version="1.0" encoding="utf-8"?>
+<p:sld xmlns:a="http://schemas.openxmlformats.org/drawingml/2006/main" xmlns:r="http://schemas.openxmlformats.org/officeDocument/2006/relationships" xmlns:p="http://schemas.openxmlformats.org/presentationml/2006/main">
+  <p:cSld>
+    <p:spTree>
+      <p:nvGrpSpPr>
+        <p:cNvPr id="1" name=""/>
+        <p:cNvGrpSpPr/>
+        <p:nvPr/>
+      </p:nvGrpSpPr>
+      <p:grpSpPr>
+        <a:xfrm>
+          <a:off x="0" y="0"/>
+          <a:ext cx="0" cy="0"/>
+          <a:chOff x="0" y="0"/>
+          <a:chExt cx="0" cy="0"/>
+        </a:xfrm>
+      </p:grpSpPr>
+      <p:pic>
+        <p:nvPicPr>
+          <p:cNvPr id="5" name="Picture 4">
+            <a:extLst>
+              <a:ext uri="{FF2B5EF4-FFF2-40B4-BE49-F238E27FC236}">
+                <a16:creationId xmlns:a16="http://schemas.microsoft.com/office/drawing/2014/main" id="{A385A4BE-E734-47C2-97F4-C10D6A03786F}"/>
+              </a:ext>
+            </a:extLst>
+          </p:cNvPr>
+          <p:cNvPicPr>
+            <a:picLocks noChangeAspect="1"/>
+          </p:cNvPicPr>
+          <p:nvPr/>
+        </p:nvPicPr>
+        <p:blipFill>
+          <a:blip r:embed="rId2">
+            <a:extLst>
+              <a:ext uri="{28A0092B-C50C-407E-A947-70E740481C1C}">
+                <a14:useLocalDpi xmlns:a14="http://schemas.microsoft.com/office/drawing/2010/main" val="0"/>
+              </a:ext>
+            </a:extLst>
+          </a:blip>
+          <a:stretch>
+            <a:fillRect/>
+          </a:stretch>
+        </p:blipFill>
+        <p:spPr>
+          <a:xfrm>
+            <a:off x="-92309" y="1"/>
+            <a:ext cx="12218039" cy="6857999"/>
+          </a:xfrm>
+          <a:prstGeom prst="rect">
+            <a:avLst/>
+          </a:prstGeom>
+        </p:spPr>
+      </p:pic>
+      <p:sp>
+        <p:nvSpPr>
+          <p:cNvPr id="10" name="TextBox 9">
+            <a:extLst>
+              <a:ext uri="{FF2B5EF4-FFF2-40B4-BE49-F238E27FC236}">
+                <a16:creationId xmlns:a16="http://schemas.microsoft.com/office/drawing/2014/main" id="{175E9234-846E-49A7-82B1-8A95B919E399}"/>
+              </a:ext>
+            </a:extLst>
+          </p:cNvPr>
+          <p:cNvSpPr txBox="1"/>
+          <p:nvPr/>
+        </p:nvSpPr>
+        <p:spPr>
+          <a:xfrm>
+            <a:off x="4939553" y="2689411"/>
+            <a:ext cx="546847" cy="646331"/>
+          </a:xfrm>
+          <a:prstGeom prst="rect">
+            <a:avLst/>
+          </a:prstGeom>
+          <a:noFill/>
+        </p:spPr>
+        <p:txBody>
+          <a:bodyPr wrap="square" rtlCol="0">
+            <a:spAutoFit/>
+          </a:bodyPr>
+          <a:lstStyle/>
+          <a:p>
+            <a:r>
+              <a:rPr lang="en-US" sz="3600" b="1" dirty="0">
+                <a:solidFill>
+                  <a:schemeClr val="bg1"/>
+                </a:solidFill>
+              </a:rPr>
+              <a:t>1</a:t>
+            </a:r>
+            <a:endParaRPr lang="en-US" b="1" dirty="0">
+              <a:solidFill>
+                <a:schemeClr val="bg1"/>
+              </a:solidFill>
+            </a:endParaRPr>
+          </a:p>
+        </p:txBody>
+      </p:sp>
+      <p:sp>
+        <p:nvSpPr>
+          <p:cNvPr id="11" name="TextBox 10">
+            <a:extLst>
+              <a:ext uri="{FF2B5EF4-FFF2-40B4-BE49-F238E27FC236}">
+                <a16:creationId xmlns:a16="http://schemas.microsoft.com/office/drawing/2014/main" id="{320DAAAB-BC5C-4DF3-AFB1-DF05DB846284}"/>
+              </a:ext>
+            </a:extLst>
+          </p:cNvPr>
+          <p:cNvSpPr txBox="1"/>
+          <p:nvPr/>
+        </p:nvSpPr>
+        <p:spPr>
+          <a:xfrm>
+            <a:off x="6016711" y="3788427"/>
+            <a:ext cx="546847" cy="646331"/>
+          </a:xfrm>
+          <a:prstGeom prst="rect">
+            <a:avLst/>
+          </a:prstGeom>
+          <a:noFill/>
+        </p:spPr>
+        <p:txBody>
+          <a:bodyPr wrap="square" rtlCol="0">
+            <a:spAutoFit/>
+          </a:bodyPr>
+          <a:lstStyle/>
+          <a:p>
+            <a:r>
+              <a:rPr lang="en-US" sz="3600" b="1" dirty="0">
+                <a:solidFill>
+                  <a:schemeClr val="bg1"/>
+                </a:solidFill>
+              </a:rPr>
+              <a:t>4</a:t>
+            </a:r>
+            <a:endParaRPr lang="en-US" b="1" dirty="0">
+              <a:solidFill>
+                <a:schemeClr val="bg1"/>
+              </a:solidFill>
+            </a:endParaRPr>
+          </a:p>
+        </p:txBody>
+      </p:sp>
+      <p:sp>
+        <p:nvSpPr>
+          <p:cNvPr id="12" name="TextBox 11">
+            <a:extLst>
+              <a:ext uri="{FF2B5EF4-FFF2-40B4-BE49-F238E27FC236}">
+                <a16:creationId xmlns:a16="http://schemas.microsoft.com/office/drawing/2014/main" id="{CB02647C-1B73-4C5D-8A41-65A19A09FC27}"/>
+              </a:ext>
+            </a:extLst>
+          </p:cNvPr>
+          <p:cNvSpPr txBox="1"/>
+          <p:nvPr/>
+        </p:nvSpPr>
+        <p:spPr>
+          <a:xfrm>
+            <a:off x="4939552" y="3788427"/>
+            <a:ext cx="546847" cy="646331"/>
+          </a:xfrm>
+          <a:prstGeom prst="rect">
+            <a:avLst/>
+          </a:prstGeom>
+          <a:noFill/>
+        </p:spPr>
+        <p:txBody>
+          <a:bodyPr wrap="square" rtlCol="0">
+            <a:spAutoFit/>
+          </a:bodyPr>
+          <a:lstStyle/>
+          <a:p>
+            <a:r>
+              <a:rPr lang="en-US" sz="3600" b="1" dirty="0">
+                <a:solidFill>
+                  <a:schemeClr val="bg1"/>
+                </a:solidFill>
+              </a:rPr>
+              <a:t>3</a:t>
+            </a:r>
+            <a:endParaRPr lang="en-US" b="1" dirty="0">
+              <a:solidFill>
+                <a:schemeClr val="bg1"/>
+              </a:solidFill>
+            </a:endParaRPr>
+          </a:p>
+        </p:txBody>
+      </p:sp>
+      <p:sp>
+        <p:nvSpPr>
+          <p:cNvPr id="13" name="TextBox 12">
+            <a:extLst>
+              <a:ext uri="{FF2B5EF4-FFF2-40B4-BE49-F238E27FC236}">
+                <a16:creationId xmlns:a16="http://schemas.microsoft.com/office/drawing/2014/main" id="{C4815E56-1B49-499B-8783-D19AC32286AF}"/>
+              </a:ext>
+            </a:extLst>
+          </p:cNvPr>
+          <p:cNvSpPr txBox="1"/>
+          <p:nvPr/>
+        </p:nvSpPr>
+        <p:spPr>
+          <a:xfrm>
+            <a:off x="6016711" y="2689410"/>
+            <a:ext cx="546847" cy="646331"/>
+          </a:xfrm>
+          <a:prstGeom prst="rect">
+            <a:avLst/>
+          </a:prstGeom>
+          <a:noFill/>
+        </p:spPr>
+        <p:txBody>
+          <a:bodyPr wrap="square" rtlCol="0">
+            <a:spAutoFit/>
+          </a:bodyPr>
+          <a:lstStyle/>
+          <a:p>
+            <a:r>
+              <a:rPr lang="en-US" sz="3600" b="1" dirty="0">
+                <a:solidFill>
+                  <a:schemeClr val="bg1"/>
+                </a:solidFill>
+              </a:rPr>
+              <a:t>2</a:t>
+            </a:r>
+            <a:endParaRPr lang="en-US" b="1" dirty="0">
+              <a:solidFill>
+                <a:schemeClr val="bg1"/>
+              </a:solidFill>
+            </a:endParaRPr>
+          </a:p>
+        </p:txBody>
+      </p:sp>
+      <p:sp>
+        <p:nvSpPr>
           <p:cNvPr id="2" name="TextBox 1">
             <a:extLst>
               <a:ext uri="{FF2B5EF4-FFF2-40B4-BE49-F238E27FC236}">

--- a/Presentation.pptx
+++ b/Presentation.pptx
@@ -270,7 +270,7 @@
           <a:p>
             <a:fld id="{5481C410-5F29-4607-A107-8BCDDBCBDDCA}" type="datetimeFigureOut">
               <a:rPr lang="en-US" smtClean="0"/>
-              <a:t>15-May-24</a:t>
+              <a:t>16-May-24</a:t>
             </a:fld>
             <a:endParaRPr lang="en-US"/>
           </a:p>
@@ -468,7 +468,7 @@
           <a:p>
             <a:fld id="{5481C410-5F29-4607-A107-8BCDDBCBDDCA}" type="datetimeFigureOut">
               <a:rPr lang="en-US" smtClean="0"/>
-              <a:t>15-May-24</a:t>
+              <a:t>16-May-24</a:t>
             </a:fld>
             <a:endParaRPr lang="en-US"/>
           </a:p>
@@ -676,7 +676,7 @@
           <a:p>
             <a:fld id="{5481C410-5F29-4607-A107-8BCDDBCBDDCA}" type="datetimeFigureOut">
               <a:rPr lang="en-US" smtClean="0"/>
-              <a:t>15-May-24</a:t>
+              <a:t>16-May-24</a:t>
             </a:fld>
             <a:endParaRPr lang="en-US"/>
           </a:p>
@@ -874,7 +874,7 @@
           <a:p>
             <a:fld id="{5481C410-5F29-4607-A107-8BCDDBCBDDCA}" type="datetimeFigureOut">
               <a:rPr lang="en-US" smtClean="0"/>
-              <a:t>15-May-24</a:t>
+              <a:t>16-May-24</a:t>
             </a:fld>
             <a:endParaRPr lang="en-US"/>
           </a:p>
@@ -1149,7 +1149,7 @@
           <a:p>
             <a:fld id="{5481C410-5F29-4607-A107-8BCDDBCBDDCA}" type="datetimeFigureOut">
               <a:rPr lang="en-US" smtClean="0"/>
-              <a:t>15-May-24</a:t>
+              <a:t>16-May-24</a:t>
             </a:fld>
             <a:endParaRPr lang="en-US"/>
           </a:p>
@@ -1414,7 +1414,7 @@
           <a:p>
             <a:fld id="{5481C410-5F29-4607-A107-8BCDDBCBDDCA}" type="datetimeFigureOut">
               <a:rPr lang="en-US" smtClean="0"/>
-              <a:t>15-May-24</a:t>
+              <a:t>16-May-24</a:t>
             </a:fld>
             <a:endParaRPr lang="en-US"/>
           </a:p>
@@ -1826,7 +1826,7 @@
           <a:p>
             <a:fld id="{5481C410-5F29-4607-A107-8BCDDBCBDDCA}" type="datetimeFigureOut">
               <a:rPr lang="en-US" smtClean="0"/>
-              <a:t>15-May-24</a:t>
+              <a:t>16-May-24</a:t>
             </a:fld>
             <a:endParaRPr lang="en-US"/>
           </a:p>
@@ -1967,7 +1967,7 @@
           <a:p>
             <a:fld id="{5481C410-5F29-4607-A107-8BCDDBCBDDCA}" type="datetimeFigureOut">
               <a:rPr lang="en-US" smtClean="0"/>
-              <a:t>15-May-24</a:t>
+              <a:t>16-May-24</a:t>
             </a:fld>
             <a:endParaRPr lang="en-US"/>
           </a:p>
@@ -2080,7 +2080,7 @@
           <a:p>
             <a:fld id="{5481C410-5F29-4607-A107-8BCDDBCBDDCA}" type="datetimeFigureOut">
               <a:rPr lang="en-US" smtClean="0"/>
-              <a:t>15-May-24</a:t>
+              <a:t>16-May-24</a:t>
             </a:fld>
             <a:endParaRPr lang="en-US"/>
           </a:p>
@@ -2391,7 +2391,7 @@
           <a:p>
             <a:fld id="{5481C410-5F29-4607-A107-8BCDDBCBDDCA}" type="datetimeFigureOut">
               <a:rPr lang="en-US" smtClean="0"/>
-              <a:t>15-May-24</a:t>
+              <a:t>16-May-24</a:t>
             </a:fld>
             <a:endParaRPr lang="en-US"/>
           </a:p>
@@ -2679,7 +2679,7 @@
           <a:p>
             <a:fld id="{5481C410-5F29-4607-A107-8BCDDBCBDDCA}" type="datetimeFigureOut">
               <a:rPr lang="en-US" smtClean="0"/>
-              <a:t>15-May-24</a:t>
+              <a:t>16-May-24</a:t>
             </a:fld>
             <a:endParaRPr lang="en-US"/>
           </a:p>
@@ -2920,7 +2920,7 @@
           <a:p>
             <a:fld id="{5481C410-5F29-4607-A107-8BCDDBCBDDCA}" type="datetimeFigureOut">
               <a:rPr lang="en-US" smtClean="0"/>
-              <a:t>15-May-24</a:t>
+              <a:t>16-May-24</a:t>
             </a:fld>
             <a:endParaRPr lang="en-US"/>
           </a:p>
@@ -4261,6 +4261,96 @@
           </a:p>
         </p:txBody>
       </p:sp>
+      <p:pic>
+        <p:nvPicPr>
+          <p:cNvPr id="3" name="Picture 2">
+            <a:extLst>
+              <a:ext uri="{FF2B5EF4-FFF2-40B4-BE49-F238E27FC236}">
+                <a16:creationId xmlns:a16="http://schemas.microsoft.com/office/drawing/2014/main" id="{C2D30A91-D748-44AD-A7E6-E82610FC8FB2}"/>
+              </a:ext>
+            </a:extLst>
+          </p:cNvPr>
+          <p:cNvPicPr>
+            <a:picLocks noChangeAspect="1"/>
+          </p:cNvPicPr>
+          <p:nvPr/>
+        </p:nvPicPr>
+        <p:blipFill>
+          <a:blip r:embed="rId3"/>
+          <a:stretch>
+            <a:fillRect/>
+          </a:stretch>
+        </p:blipFill>
+        <p:spPr>
+          <a:xfrm>
+            <a:off x="-71397" y="1347787"/>
+            <a:ext cx="4097496" cy="3975908"/>
+          </a:xfrm>
+          <a:prstGeom prst="rect">
+            <a:avLst/>
+          </a:prstGeom>
+        </p:spPr>
+      </p:pic>
+      <p:pic>
+        <p:nvPicPr>
+          <p:cNvPr id="6" name="Picture 5">
+            <a:extLst>
+              <a:ext uri="{FF2B5EF4-FFF2-40B4-BE49-F238E27FC236}">
+                <a16:creationId xmlns:a16="http://schemas.microsoft.com/office/drawing/2014/main" id="{008C27C3-823F-4B48-8F7D-112D5A801DDC}"/>
+              </a:ext>
+            </a:extLst>
+          </p:cNvPr>
+          <p:cNvPicPr>
+            <a:picLocks noChangeAspect="1"/>
+          </p:cNvPicPr>
+          <p:nvPr/>
+        </p:nvPicPr>
+        <p:blipFill>
+          <a:blip r:embed="rId4"/>
+          <a:stretch>
+            <a:fillRect/>
+          </a:stretch>
+        </p:blipFill>
+        <p:spPr>
+          <a:xfrm>
+            <a:off x="4106667" y="181960"/>
+            <a:ext cx="6647639" cy="3126244"/>
+          </a:xfrm>
+          <a:prstGeom prst="rect">
+            <a:avLst/>
+          </a:prstGeom>
+        </p:spPr>
+      </p:pic>
+      <p:pic>
+        <p:nvPicPr>
+          <p:cNvPr id="8" name="Picture 7">
+            <a:extLst>
+              <a:ext uri="{FF2B5EF4-FFF2-40B4-BE49-F238E27FC236}">
+                <a16:creationId xmlns:a16="http://schemas.microsoft.com/office/drawing/2014/main" id="{09EF8DD3-39B4-43DD-848D-20A5FCF54A4E}"/>
+              </a:ext>
+            </a:extLst>
+          </p:cNvPr>
+          <p:cNvPicPr>
+            <a:picLocks noChangeAspect="1"/>
+          </p:cNvPicPr>
+          <p:nvPr/>
+        </p:nvPicPr>
+        <p:blipFill>
+          <a:blip r:embed="rId5"/>
+          <a:stretch>
+            <a:fillRect/>
+          </a:stretch>
+        </p:blipFill>
+        <p:spPr>
+          <a:xfrm>
+            <a:off x="4026099" y="3549797"/>
+            <a:ext cx="6707295" cy="3132180"/>
+          </a:xfrm>
+          <a:prstGeom prst="rect">
+            <a:avLst/>
+          </a:prstGeom>
+        </p:spPr>
+      </p:pic>
     </p:spTree>
     <p:extLst>
       <p:ext uri="{BB962C8B-B14F-4D97-AF65-F5344CB8AC3E}">
@@ -5331,7 +5421,7 @@
         <p:spPr>
           <a:xfrm>
             <a:off x="3580455" y="1061825"/>
-            <a:ext cx="9925210" cy="769441"/>
+            <a:ext cx="7446133" cy="769441"/>
           </a:xfrm>
           <a:prstGeom prst="rect">
             <a:avLst/>
@@ -5432,7 +5522,7 @@
         <p:spPr>
           <a:xfrm>
             <a:off x="3580455" y="2482170"/>
-            <a:ext cx="6678706" cy="4401205"/>
+            <a:ext cx="6678706" cy="4093428"/>
           </a:xfrm>
           <a:prstGeom prst="rect">
             <a:avLst/>
@@ -5507,7 +5597,7 @@
                   <a:srgbClr val="410433"/>
                 </a:solidFill>
               </a:rPr>
-              <a:t>Allow users to view, change their info, view attendance history, create leave request, create salary raise request</a:t>
+              <a:t>Allow user to view, change their info, create leave request, create salary raise request</a:t>
             </a:r>
             <a:br>
               <a:rPr lang="en-US" sz="2000" b="1" dirty="0">
@@ -5559,7 +5649,7 @@
                   <a:srgbClr val="410433"/>
                 </a:solidFill>
               </a:rPr>
-              <a:t>Allow admin to create new employees; create, update, assign employees to projects; handle employee’s salary raise request</a:t>
+              <a:t>Allow admin to manage projects; handle employee’s salary raise request</a:t>
             </a:r>
           </a:p>
         </p:txBody>
@@ -9094,12 +9184,12 @@
           <a:lstStyle/>
           <a:p>
             <a:r>
-              <a:rPr lang="en-US" sz="2400" b="1" dirty="0" err="1">
+              <a:rPr lang="en-US" sz="2400" b="1">
                 <a:solidFill>
                   <a:srgbClr val="410433"/>
                 </a:solidFill>
               </a:rPr>
-              <a:t>ERD</a:t>
+              <a:t>Database </a:t>
             </a:r>
             <a:r>
               <a:rPr lang="en-US" sz="2400" b="1" dirty="0">
@@ -9107,7 +9197,7 @@
                   <a:srgbClr val="410433"/>
                 </a:solidFill>
               </a:rPr>
-              <a:t> diagram</a:t>
+              <a:t>diagram</a:t>
             </a:r>
             <a:endParaRPr lang="en-US" sz="2800" b="1" dirty="0">
               <a:solidFill>
